--- a/docs/index.pptx
+++ b/docs/index.pptx
@@ -3269,6 +3269,109 @@
               <a:t>Major league baseball grew out of small, organized leagues in the late 1800’s. Many eastern cities had community baseball teams, and rich people began to pay players to play for their teams. These teams grew and started playing one another, and eventually formed into two leagues: The American League and the National League.</a:t>
             </a:r>
           </a:p>
+          <a:p>
+            <a:pPr lvl="0" indent="0" marL="0">
+              <a:spcBef>
+                <a:spcPts val="3000"/>
+              </a:spcBef>
+              <a:buNone/>
+            </a:pPr>
+            <a:r>
+              <a:rPr b="1"/>
+              <a:t>Recent World Champions</a:t>
+            </a:r>
+          </a:p>
+          <a:p>
+            <a:pPr lvl="0"/>
+            <a:r>
+              <a:rPr/>
+              <a:t>2010: San Francisco Giants</a:t>
+            </a:r>
+          </a:p>
+          <a:p>
+            <a:pPr lvl="0"/>
+            <a:r>
+              <a:rPr/>
+              <a:t>2011: St. Louis Cardinals</a:t>
+            </a:r>
+          </a:p>
+          <a:p>
+            <a:pPr lvl="0"/>
+            <a:r>
+              <a:rPr/>
+              <a:t>2012: San Francisco Giants</a:t>
+            </a:r>
+          </a:p>
+          <a:p>
+            <a:pPr lvl="0"/>
+            <a:r>
+              <a:rPr/>
+              <a:t>2013: Boston Red Sox</a:t>
+            </a:r>
+          </a:p>
+          <a:p>
+            <a:pPr lvl="0"/>
+            <a:r>
+              <a:rPr/>
+              <a:t>2014: San Francisco Giants</a:t>
+            </a:r>
+          </a:p>
+          <a:p>
+            <a:pPr lvl="0"/>
+            <a:r>
+              <a:rPr/>
+              <a:t>2015: Kansas City Royals</a:t>
+            </a:r>
+          </a:p>
+          <a:p>
+            <a:pPr lvl="0"/>
+            <a:r>
+              <a:rPr/>
+              <a:t>2016: Chicago Cubs</a:t>
+            </a:r>
+          </a:p>
+          <a:p>
+            <a:pPr lvl="0"/>
+            <a:r>
+              <a:rPr/>
+              <a:t>2017: Houston Astos</a:t>
+            </a:r>
+          </a:p>
+          <a:p>
+            <a:pPr lvl="0"/>
+            <a:r>
+              <a:rPr/>
+              <a:t>2018: Boston Red Sox</a:t>
+            </a:r>
+          </a:p>
+          <a:p>
+            <a:pPr lvl="0"/>
+            <a:r>
+              <a:rPr/>
+              <a:t>2019: Washington Nationals</a:t>
+            </a:r>
+          </a:p>
+          <a:p>
+            <a:pPr lvl="0"/>
+            <a:r>
+              <a:rPr/>
+              <a:t>2020: LA Dodgers</a:t>
+            </a:r>
+          </a:p>
+          <a:p>
+            <a:pPr lvl="0"/>
+            <a:r>
+              <a:rPr/>
+              <a:t>2021: Atlanta Braves</a:t>
+            </a:r>
+          </a:p>
+          <a:p>
+            <a:pPr lvl="0"/>
+            <a:r>
+              <a:rPr/>
+              <a:t>2022: Houston Astros</a:t>
+            </a:r>
+          </a:p>
         </p:txBody>
       </p:sp>
     </p:spTree>
@@ -3338,7 +3441,7 @@
             </a:pPr>
             <a:r>
               <a:rPr/>
-              <a:t>Within the American and National leages, there are three divisions within each league: an East, Central, and West division. Each division has five teams.</a:t>
+              <a:t>Within the American and National leagues, there are three divisions within each league: an East, Central, and West division. Each division has five teams.</a:t>
             </a:r>
           </a:p>
         </p:txBody>
